--- a/Aditiya_Ranjan_Capstone.pptx
+++ b/Aditiya_Ranjan_Capstone.pptx
@@ -45846,15 +45846,15 @@
         </p:nvPicPr>
         <p:blipFill>
           <a:blip r:embed="rId2"/>
-          <a:srcRect l="523" t="15851" r="870" b="34318"/>
+          <a:srcRect l="523" t="20496" r="313" b="34318"/>
           <a:stretch>
             <a:fillRect/>
           </a:stretch>
         </p:blipFill>
         <p:spPr>
           <a:xfrm>
-            <a:off x="959205" y="1493520"/>
-            <a:ext cx="10369645" cy="2738615"/>
+            <a:off x="959205" y="1730477"/>
+            <a:ext cx="10505208" cy="2501658"/>
           </a:xfrm>
           <a:prstGeom prst="rect">
             <a:avLst/>
@@ -46516,14 +46516,15 @@
               </a:ext>
             </a:extLst>
           </a:blip>
+          <a:srcRect t="20481"/>
           <a:stretch>
             <a:fillRect/>
           </a:stretch>
         </p:blipFill>
         <p:spPr>
           <a:xfrm>
-            <a:off x="4654296" y="769307"/>
-            <a:ext cx="6894576" cy="3636889"/>
+            <a:off x="4654296" y="1514168"/>
+            <a:ext cx="6894576" cy="2892028"/>
           </a:xfrm>
           <a:prstGeom prst="rect">
             <a:avLst/>
